--- a/presentations/final-poster.pptx
+++ b/presentations/final-poster.pptx
@@ -288,7 +288,7 @@
           <a:p>
             <a:fld id="{F3CC919D-9150-4498-A88D-3FEA7E706085}" type="datetimeFigureOut">
               <a:rPr lang="en-US" smtClean="0"/>
-              <a:t>3/14/2013</a:t>
+              <a:t>3/15/2013</a:t>
             </a:fld>
             <a:endParaRPr lang="en-US"/>
           </a:p>
@@ -458,7 +458,7 @@
           <a:p>
             <a:fld id="{F3CC919D-9150-4498-A88D-3FEA7E706085}" type="datetimeFigureOut">
               <a:rPr lang="en-US" smtClean="0"/>
-              <a:t>3/14/2013</a:t>
+              <a:t>3/15/2013</a:t>
             </a:fld>
             <a:endParaRPr lang="en-US"/>
           </a:p>
@@ -638,7 +638,7 @@
           <a:p>
             <a:fld id="{F3CC919D-9150-4498-A88D-3FEA7E706085}" type="datetimeFigureOut">
               <a:rPr lang="en-US" smtClean="0"/>
-              <a:t>3/14/2013</a:t>
+              <a:t>3/15/2013</a:t>
             </a:fld>
             <a:endParaRPr lang="en-US"/>
           </a:p>
@@ -808,7 +808,7 @@
           <a:p>
             <a:fld id="{F3CC919D-9150-4498-A88D-3FEA7E706085}" type="datetimeFigureOut">
               <a:rPr lang="en-US" smtClean="0"/>
-              <a:t>3/14/2013</a:t>
+              <a:t>3/15/2013</a:t>
             </a:fld>
             <a:endParaRPr lang="en-US"/>
           </a:p>
@@ -1054,7 +1054,7 @@
           <a:p>
             <a:fld id="{F3CC919D-9150-4498-A88D-3FEA7E706085}" type="datetimeFigureOut">
               <a:rPr lang="en-US" smtClean="0"/>
-              <a:t>3/14/2013</a:t>
+              <a:t>3/15/2013</a:t>
             </a:fld>
             <a:endParaRPr lang="en-US"/>
           </a:p>
@@ -1342,7 +1342,7 @@
           <a:p>
             <a:fld id="{F3CC919D-9150-4498-A88D-3FEA7E706085}" type="datetimeFigureOut">
               <a:rPr lang="en-US" smtClean="0"/>
-              <a:t>3/14/2013</a:t>
+              <a:t>3/15/2013</a:t>
             </a:fld>
             <a:endParaRPr lang="en-US"/>
           </a:p>
@@ -1769,7 +1769,7 @@
           <a:p>
             <a:fld id="{F3CC919D-9150-4498-A88D-3FEA7E706085}" type="datetimeFigureOut">
               <a:rPr lang="en-US" smtClean="0"/>
-              <a:t>3/14/2013</a:t>
+              <a:t>3/15/2013</a:t>
             </a:fld>
             <a:endParaRPr lang="en-US"/>
           </a:p>
@@ -1887,7 +1887,7 @@
           <a:p>
             <a:fld id="{F3CC919D-9150-4498-A88D-3FEA7E706085}" type="datetimeFigureOut">
               <a:rPr lang="en-US" smtClean="0"/>
-              <a:t>3/14/2013</a:t>
+              <a:t>3/15/2013</a:t>
             </a:fld>
             <a:endParaRPr lang="en-US"/>
           </a:p>
@@ -1982,7 +1982,7 @@
           <a:p>
             <a:fld id="{F3CC919D-9150-4498-A88D-3FEA7E706085}" type="datetimeFigureOut">
               <a:rPr lang="en-US" smtClean="0"/>
-              <a:t>3/14/2013</a:t>
+              <a:t>3/15/2013</a:t>
             </a:fld>
             <a:endParaRPr lang="en-US"/>
           </a:p>
@@ -2259,7 +2259,7 @@
           <a:p>
             <a:fld id="{F3CC919D-9150-4498-A88D-3FEA7E706085}" type="datetimeFigureOut">
               <a:rPr lang="en-US" smtClean="0"/>
-              <a:t>3/14/2013</a:t>
+              <a:t>3/15/2013</a:t>
             </a:fld>
             <a:endParaRPr lang="en-US"/>
           </a:p>
@@ -2512,7 +2512,7 @@
           <a:p>
             <a:fld id="{F3CC919D-9150-4498-A88D-3FEA7E706085}" type="datetimeFigureOut">
               <a:rPr lang="en-US" smtClean="0"/>
-              <a:t>3/14/2013</a:t>
+              <a:t>3/15/2013</a:t>
             </a:fld>
             <a:endParaRPr lang="en-US"/>
           </a:p>
@@ -2725,7 +2725,7 @@
           <a:p>
             <a:fld id="{F3CC919D-9150-4498-A88D-3FEA7E706085}" type="datetimeFigureOut">
               <a:rPr lang="en-US" smtClean="0"/>
-              <a:t>3/14/2013</a:t>
+              <a:t>3/15/2013</a:t>
             </a:fld>
             <a:endParaRPr lang="en-US"/>
           </a:p>
@@ -3112,8 +3112,8 @@
         </p:nvSpPr>
         <p:spPr>
           <a:xfrm>
-            <a:off x="609599" y="1219200"/>
-            <a:ext cx="17721811" cy="2209799"/>
+            <a:off x="545372" y="1248103"/>
+            <a:ext cx="20104827" cy="2257097"/>
           </a:xfrm>
         </p:spPr>
         <p:txBody>
@@ -3175,7 +3175,7 @@
         </p:nvSpPr>
         <p:spPr>
           <a:xfrm>
-            <a:off x="16459200" y="1143000"/>
+            <a:off x="764628" y="3584227"/>
             <a:ext cx="12649200" cy="3009900"/>
           </a:xfrm>
           <a:prstGeom prst="rect">
@@ -3342,7 +3342,7 @@
             </a:lvl9pPr>
           </a:lstStyle>
           <a:p>
-            <a:pPr algn="r"/>
+            <a:pPr algn="l"/>
             <a:r>
               <a:rPr lang="en-US" sz="6600" dirty="0" smtClean="0">
                 <a:solidFill>
@@ -3366,7 +3366,7 @@
             </a:endParaRPr>
           </a:p>
           <a:p>
-            <a:pPr algn="r"/>
+            <a:pPr algn="l"/>
             <a:r>
               <a:rPr lang="en-US" sz="6600" dirty="0" smtClean="0">
                 <a:solidFill>
@@ -3602,42 +3602,13 @@
       </p:sp>
       <p:sp>
         <p:nvSpPr>
-          <p:cNvPr id="8" name="TextBox 7"/>
-          <p:cNvSpPr txBox="1"/>
-          <p:nvPr/>
-        </p:nvSpPr>
-        <p:spPr>
-          <a:xfrm>
-            <a:off x="685800" y="3705761"/>
-            <a:ext cx="22174200" cy="1323439"/>
-          </a:xfrm>
-          <a:prstGeom prst="rect">
-            <a:avLst/>
-          </a:prstGeom>
-          <a:noFill/>
-        </p:spPr>
-        <p:txBody>
-          <a:bodyPr wrap="square" rtlCol="0">
-            <a:spAutoFit/>
-          </a:bodyPr>
-          <a:lstStyle/>
-          <a:p>
-            <a:r>
-              <a:rPr lang="en-US" sz="8000" dirty="0" smtClean="0"/>
-              <a:t>[Tagline here, something about communication?]</a:t>
-            </a:r>
-          </a:p>
-        </p:txBody>
-      </p:sp>
-      <p:sp>
-        <p:nvSpPr>
           <p:cNvPr id="9" name="TextBox 8"/>
           <p:cNvSpPr txBox="1"/>
           <p:nvPr/>
         </p:nvSpPr>
         <p:spPr>
           <a:xfrm>
-            <a:off x="609600" y="4876800"/>
+            <a:off x="623178" y="6248400"/>
             <a:ext cx="5020670" cy="1785104"/>
           </a:xfrm>
           <a:prstGeom prst="rect">
@@ -3697,7 +3668,7 @@
         </p:nvSpPr>
         <p:spPr>
           <a:xfrm>
-            <a:off x="15174104" y="12769096"/>
+            <a:off x="15174104" y="13757896"/>
             <a:ext cx="6314614" cy="1785104"/>
           </a:xfrm>
           <a:prstGeom prst="rect">
@@ -3727,7 +3698,7 @@
         </p:nvSpPr>
         <p:spPr>
           <a:xfrm>
-            <a:off x="609600" y="12877800"/>
+            <a:off x="609600" y="14650448"/>
             <a:ext cx="7907870" cy="1785104"/>
           </a:xfrm>
           <a:prstGeom prst="rect">
@@ -3871,15 +3842,148 @@
           </a:fontRef>
         </p:style>
         <p:txBody>
-          <a:bodyPr rtlCol="0" anchor="ctr"/>
-          <a:lstStyle/>
-          <a:p>
-            <a:pPr algn="ctr"/>
-            <a:r>
-              <a:rPr lang="en-US" sz="9600" dirty="0" smtClean="0"/>
-              <a:t>TIMELINE HERE …. Emily/Jim can probably do this </a:t>
-            </a:r>
-            <a:endParaRPr lang="en-US" sz="9600" dirty="0"/>
+          <a:bodyPr numCol="3" rtlCol="0" anchor="ctr"/>
+          <a:lstStyle/>
+          <a:p>
+            <a:r>
+              <a:rPr lang="en-US" sz="4800" b="1" dirty="0" smtClean="0"/>
+              <a:t>Coding</a:t>
+            </a:r>
+          </a:p>
+          <a:p>
+            <a:r>
+              <a:rPr lang="en-US" sz="4400" dirty="0" smtClean="0"/>
+              <a:t>Week </a:t>
+            </a:r>
+            <a:r>
+              <a:rPr lang="en-US" sz="4400" dirty="0"/>
+              <a:t>1-2: </a:t>
+            </a:r>
+            <a:r>
+              <a:rPr lang="en-US" sz="4400" dirty="0" err="1" smtClean="0"/>
+              <a:t>Voxeo</a:t>
+            </a:r>
+            <a:endParaRPr lang="en-US" sz="4400" dirty="0" smtClean="0"/>
+          </a:p>
+          <a:p>
+            <a:r>
+              <a:rPr lang="en-US" sz="4400" dirty="0" smtClean="0"/>
+              <a:t>Week 2-5</a:t>
+            </a:r>
+            <a:r>
+              <a:rPr lang="en-US" sz="4400" dirty="0"/>
+              <a:t>: </a:t>
+            </a:r>
+            <a:r>
+              <a:rPr lang="en-US" sz="4400" dirty="0" err="1"/>
+              <a:t>Django</a:t>
+            </a:r>
+            <a:endParaRPr lang="en-US" sz="4400" dirty="0"/>
+          </a:p>
+          <a:p>
+            <a:r>
+              <a:rPr lang="en-US" sz="4400" dirty="0"/>
+              <a:t>Week 6: Testing </a:t>
+            </a:r>
+            <a:r>
+              <a:rPr lang="en-US" sz="4400" dirty="0" err="1"/>
+              <a:t>Voxeo</a:t>
+            </a:r>
+            <a:r>
+              <a:rPr lang="en-US" sz="4400" dirty="0"/>
+              <a:t> and </a:t>
+            </a:r>
+            <a:r>
+              <a:rPr lang="en-US" sz="4400" dirty="0" err="1"/>
+              <a:t>Django</a:t>
+            </a:r>
+            <a:endParaRPr lang="en-US" sz="4400" dirty="0"/>
+          </a:p>
+          <a:p>
+            <a:r>
+              <a:rPr lang="en-US" sz="4400" dirty="0"/>
+              <a:t>Week 7: Database</a:t>
+            </a:r>
+          </a:p>
+          <a:p>
+            <a:r>
+              <a:rPr lang="en-US" sz="4400" dirty="0"/>
+              <a:t>Week 8: Testing all</a:t>
+            </a:r>
+          </a:p>
+          <a:p>
+            <a:r>
+              <a:rPr lang="en-US" sz="4400" dirty="0"/>
+              <a:t>Week 9-10: Improvements</a:t>
+            </a:r>
+          </a:p>
+          <a:p>
+            <a:r>
+              <a:rPr lang="en-US" sz="4800" b="1" dirty="0" smtClean="0"/>
+              <a:t>Research + Design</a:t>
+            </a:r>
+          </a:p>
+          <a:p>
+            <a:r>
+              <a:rPr lang="en-US" sz="4400" dirty="0" smtClean="0"/>
+              <a:t>Week 1-2: investigate proposed design concepts</a:t>
+            </a:r>
+          </a:p>
+          <a:p>
+            <a:r>
+              <a:rPr lang="en-US" sz="4400" dirty="0" smtClean="0"/>
+              <a:t>Week 3-4: wireframes and mockups</a:t>
+            </a:r>
+          </a:p>
+          <a:p>
+            <a:r>
+              <a:rPr lang="en-US" sz="4400" dirty="0" smtClean="0"/>
+              <a:t>Week 5-6: user testing and redesign</a:t>
+            </a:r>
+          </a:p>
+          <a:p>
+            <a:r>
+              <a:rPr lang="en-US" sz="4400" dirty="0" smtClean="0"/>
+              <a:t>Week 7-8: </a:t>
+            </a:r>
+            <a:r>
+              <a:rPr lang="en-US" sz="4400" dirty="0" err="1" smtClean="0"/>
+              <a:t>tesing</a:t>
+            </a:r>
+            <a:r>
+              <a:rPr lang="en-US" sz="4400" dirty="0" smtClean="0"/>
+              <a:t> all</a:t>
+            </a:r>
+          </a:p>
+          <a:p>
+            <a:r>
+              <a:rPr lang="en-US" sz="4400" dirty="0" smtClean="0"/>
+              <a:t>Week 9-10 further </a:t>
+            </a:r>
+            <a:r>
+              <a:rPr lang="en-US" sz="4400" dirty="0" err="1" smtClean="0"/>
+              <a:t>improvments</a:t>
+            </a:r>
+            <a:endParaRPr lang="en-US" sz="4400" dirty="0" smtClean="0"/>
+          </a:p>
+          <a:p>
+            <a:r>
+              <a:rPr lang="en-US" sz="4800" b="1" dirty="0" err="1" smtClean="0"/>
+              <a:t>Misc</a:t>
+            </a:r>
+            <a:endParaRPr lang="en-US" sz="4800" b="1" dirty="0" smtClean="0"/>
+          </a:p>
+          <a:p>
+            <a:r>
+              <a:rPr lang="en-US" sz="4400" dirty="0" smtClean="0"/>
+              <a:t>Research into implementation in South Africa (ongoing)</a:t>
+            </a:r>
+          </a:p>
+          <a:p>
+            <a:r>
+              <a:rPr lang="en-US" sz="4400" dirty="0" smtClean="0"/>
+              <a:t>Discussions with PATH and Durban (ongoing)</a:t>
+            </a:r>
           </a:p>
         </p:txBody>
       </p:sp>
@@ -3906,7 +4010,7 @@
         </p:blipFill>
         <p:spPr bwMode="auto">
           <a:xfrm>
-            <a:off x="838200" y="22021800"/>
+            <a:off x="838200" y="22398037"/>
             <a:ext cx="11922125" cy="6395285"/>
           </a:xfrm>
           <a:prstGeom prst="rect">
@@ -3960,7 +4064,7 @@
         </p:blipFill>
         <p:spPr bwMode="auto">
           <a:xfrm>
-            <a:off x="23771225" y="21564600"/>
+            <a:off x="23755459" y="22398037"/>
             <a:ext cx="3584575" cy="6651625"/>
           </a:xfrm>
           <a:prstGeom prst="rect">
@@ -4014,7 +4118,7 @@
         </p:blipFill>
         <p:spPr bwMode="auto">
           <a:xfrm>
-            <a:off x="15199528" y="22031325"/>
+            <a:off x="15174104" y="22631400"/>
             <a:ext cx="7170737" cy="6184900"/>
           </a:xfrm>
           <a:prstGeom prst="rect">
@@ -4053,8 +4157,8 @@
         </p:nvSpPr>
         <p:spPr>
           <a:xfrm>
-            <a:off x="685799" y="6661904"/>
-            <a:ext cx="13632182" cy="5139869"/>
+            <a:off x="541889" y="8033504"/>
+            <a:ext cx="13632182" cy="6186309"/>
           </a:xfrm>
           <a:prstGeom prst="rect">
             <a:avLst/>
@@ -4068,39 +4172,24 @@
           <a:lstStyle/>
           <a:p>
             <a:r>
-              <a:rPr lang="en-US" dirty="0" smtClean="0">
+              <a:rPr lang="en-US" sz="4400" dirty="0" smtClean="0">
                 <a:ea typeface="ＭＳ Ｐゴシック" pitchFamily="34" charset="-128"/>
               </a:rPr>
-              <a:t>Donor mothers </a:t>
-            </a:r>
-            <a:r>
-              <a:rPr lang="en-US" dirty="0" smtClean="0">
+              <a:t>Donor mothers may request pickups at odd times, often with minimal notice. Sometimes, more than one courier goes for a specific pick up because of the lack of communication.  After picking up the milk, couriers sometimes don’t know which milk bank to bring the milk to.</a:t>
+            </a:r>
+          </a:p>
+          <a:p>
+            <a:endParaRPr lang="en-US" sz="4400" dirty="0">
+              <a:ea typeface="ＭＳ Ｐゴシック" pitchFamily="34" charset="-128"/>
+            </a:endParaRPr>
+          </a:p>
+          <a:p>
+            <a:r>
+              <a:rPr lang="en-US" sz="4400" dirty="0" smtClean="0">
                 <a:ea typeface="ＭＳ Ｐゴシック" pitchFamily="34" charset="-128"/>
               </a:rPr>
-              <a:t>may request pickups at odd times, often with minimal notice. Sometimes, more than one courier goes for a specific pick up because of the lack of communication.  After picking up the milk, couriers sometimes don’t know which milk bank to bring the milk to.</a:t>
-            </a:r>
-          </a:p>
-          <a:p>
-            <a:endParaRPr lang="en-US" dirty="0">
-              <a:ea typeface="ＭＳ Ｐゴシック" pitchFamily="34" charset="-128"/>
-            </a:endParaRPr>
-          </a:p>
-          <a:p>
-            <a:r>
-              <a:rPr lang="en-US" dirty="0" smtClean="0">
-                <a:ea typeface="ＭＳ Ｐゴシック" pitchFamily="34" charset="-128"/>
-              </a:rPr>
-              <a:t>Our goals are to make the couriers’ job easier as well as standardize the process </a:t>
-            </a:r>
-            <a:r>
-              <a:rPr lang="en-US" smtClean="0">
-                <a:ea typeface="ＭＳ Ｐゴシック" pitchFamily="34" charset="-128"/>
-              </a:rPr>
-              <a:t>of contact.</a:t>
-            </a:r>
-            <a:endParaRPr lang="en-US" sz="2000" dirty="0" smtClean="0">
-              <a:ea typeface="ＭＳ Ｐゴシック" pitchFamily="34" charset="-128"/>
-            </a:endParaRPr>
+              <a:t>Our goals are to make the couriers’ job easier as well as standardize the process of contact.</a:t>
+            </a:r>
           </a:p>
         </p:txBody>
       </p:sp>
@@ -4112,8 +4201,8 @@
         </p:nvSpPr>
         <p:spPr>
           <a:xfrm>
-            <a:off x="685799" y="14662904"/>
-            <a:ext cx="13632182" cy="5632311"/>
+            <a:off x="591440" y="16572667"/>
+            <a:ext cx="13632182" cy="4708981"/>
           </a:xfrm>
           <a:prstGeom prst="rect">
             <a:avLst/>
@@ -4126,52 +4215,96 @@
           </a:bodyPr>
           <a:lstStyle/>
           <a:p>
-            <a:r>
-              <a:rPr lang="en-US" sz="8000" dirty="0" smtClean="0"/>
+            <a:pPr marL="857250" indent="-857250">
+              <a:buFont typeface="Arial" pitchFamily="34" charset="0"/>
+              <a:buChar char="•"/>
+            </a:pPr>
+            <a:r>
+              <a:rPr lang="en-US" sz="6000" dirty="0" smtClean="0"/>
               <a:t>Taxi Apps</a:t>
             </a:r>
-          </a:p>
-          <a:p>
-            <a:r>
-              <a:rPr lang="en-US" sz="8000" dirty="0" smtClean="0"/>
-              <a:t>-</a:t>
+            <a:r>
+              <a:rPr lang="en-US" sz="6000" dirty="0"/>
+              <a:t> </a:t>
             </a:r>
             <a:r>
               <a:rPr lang="en-US" sz="6000" dirty="0" smtClean="0"/>
-              <a:t>Dispatch!</a:t>
-            </a:r>
-          </a:p>
-          <a:p>
+              <a:t>- Dispatch! (best), </a:t>
+            </a:r>
+            <a:r>
+              <a:rPr lang="en-US" sz="6000" dirty="0" err="1" smtClean="0">
+                <a:ea typeface="ＭＳ Ｐゴシック" pitchFamily="34" charset="-128"/>
+              </a:rPr>
+              <a:t>TaxiCentral</a:t>
+            </a:r>
+            <a:endParaRPr lang="en-US" sz="6000" dirty="0">
+              <a:ea typeface="ＭＳ Ｐゴシック" pitchFamily="34" charset="-128"/>
+            </a:endParaRPr>
+          </a:p>
+          <a:p>
+            <a:pPr marL="857250" indent="-857250">
+              <a:buFont typeface="Arial" pitchFamily="34" charset="0"/>
+              <a:buChar char="•"/>
+            </a:pPr>
             <a:r>
               <a:rPr lang="en-US" sz="6000" dirty="0" smtClean="0"/>
-              <a:t>-</a:t>
-            </a:r>
-            <a:r>
-              <a:rPr lang="en-US" sz="6000" dirty="0" err="1" smtClean="0"/>
-              <a:t>TaxiCentral</a:t>
-            </a:r>
+              <a:t>Mass coordination - </a:t>
+            </a:r>
+            <a:r>
+              <a:rPr lang="en-US" sz="6000" dirty="0" err="1" smtClean="0">
+                <a:ea typeface="ＭＳ Ｐゴシック" pitchFamily="34" charset="-128"/>
+              </a:rPr>
+              <a:t>RapidSMS</a:t>
+            </a:r>
+            <a:r>
+              <a:rPr lang="en-US" sz="6000" dirty="0" smtClean="0">
+                <a:ea typeface="ＭＳ Ｐゴシック" pitchFamily="34" charset="-128"/>
+              </a:rPr>
+              <a:t>, </a:t>
+            </a:r>
+            <a:r>
+              <a:rPr lang="en-US" sz="6000" dirty="0" err="1" smtClean="0">
+                <a:ea typeface="ＭＳ Ｐゴシック" pitchFamily="34" charset="-128"/>
+              </a:rPr>
+              <a:t>Comtekk</a:t>
+            </a:r>
+            <a:endParaRPr lang="en-US" sz="6000" dirty="0" smtClean="0">
+              <a:ea typeface="ＭＳ Ｐゴシック" pitchFamily="34" charset="-128"/>
+            </a:endParaRPr>
+          </a:p>
+          <a:p>
+            <a:pPr marL="857250" indent="-857250">
+              <a:buFont typeface="Arial" pitchFamily="34" charset="0"/>
+              <a:buChar char="•"/>
+            </a:pPr>
+            <a:r>
+              <a:rPr lang="en-US" sz="6000" dirty="0">
+                <a:ea typeface="ＭＳ Ｐゴシック" pitchFamily="34" charset="-128"/>
+              </a:rPr>
+              <a:t>Emergency Responder - </a:t>
+            </a:r>
+            <a:r>
+              <a:rPr lang="en-US" sz="6000" dirty="0" err="1">
+                <a:ea typeface="ＭＳ Ｐゴシック" pitchFamily="34" charset="-128"/>
+              </a:rPr>
+              <a:t>Amerilert</a:t>
+            </a:r>
+            <a:r>
+              <a:rPr lang="en-US" sz="6000" dirty="0">
+                <a:ea typeface="ＭＳ Ｐゴシック" pitchFamily="34" charset="-128"/>
+              </a:rPr>
+              <a:t> First Responder</a:t>
+            </a:r>
+            <a:endParaRPr lang="en-US" sz="6000" dirty="0" smtClean="0">
+              <a:ea typeface="ＭＳ Ｐゴシック" pitchFamily="34" charset="-128"/>
+            </a:endParaRPr>
+          </a:p>
+          <a:p>
+            <a:pPr marL="1904878" lvl="1" indent="-857250">
+              <a:buFont typeface="Arial" pitchFamily="34" charset="0"/>
+              <a:buChar char="•"/>
+            </a:pPr>
             <a:endParaRPr lang="en-US" sz="6000" dirty="0" smtClean="0"/>
-          </a:p>
-          <a:p>
-            <a:r>
-              <a:rPr lang="en-US" sz="8000" dirty="0" smtClean="0"/>
-              <a:t>Emergency Responder Apps</a:t>
-            </a:r>
-          </a:p>
-          <a:p>
-            <a:r>
-              <a:rPr lang="en-US" sz="6000" dirty="0" smtClean="0"/>
-              <a:t>-</a:t>
-            </a:r>
-            <a:r>
-              <a:rPr lang="en-US" sz="6000" dirty="0" err="1" smtClean="0"/>
-              <a:t>Amerilert</a:t>
-            </a:r>
-            <a:r>
-              <a:rPr lang="en-US" sz="6000" dirty="0" smtClean="0"/>
-              <a:t> First Responder</a:t>
-            </a:r>
-            <a:endParaRPr lang="en-US" sz="6000" dirty="0"/>
           </a:p>
         </p:txBody>
       </p:sp>
@@ -4184,7 +4317,7 @@
         <p:spPr>
           <a:xfrm>
             <a:off x="15070409" y="6594127"/>
-            <a:ext cx="13632182" cy="1323439"/>
+            <a:ext cx="13632182" cy="6247864"/>
           </a:xfrm>
           <a:prstGeom prst="rect">
             <a:avLst/>
@@ -4199,9 +4332,37 @@
           <a:p>
             <a:r>
               <a:rPr lang="en-US" sz="8000" dirty="0" smtClean="0"/>
-              <a:t>STUFF HERE</a:t>
-            </a:r>
-            <a:endParaRPr lang="en-US" sz="8000" dirty="0"/>
+              <a:t>A </a:t>
+            </a:r>
+            <a:r>
+              <a:rPr lang="en-US" sz="8000" b="1" dirty="0" smtClean="0"/>
+              <a:t>low cost dispatch app</a:t>
+            </a:r>
+            <a:r>
+              <a:rPr lang="en-US" sz="8000" dirty="0" smtClean="0"/>
+              <a:t>.  Donors simply </a:t>
+            </a:r>
+            <a:r>
+              <a:rPr lang="en-US" sz="8000" b="1" dirty="0" smtClean="0"/>
+              <a:t>send an </a:t>
+            </a:r>
+            <a:r>
+              <a:rPr lang="en-US" sz="8000" b="1" dirty="0" err="1" smtClean="0"/>
+              <a:t>sms</a:t>
+            </a:r>
+            <a:r>
+              <a:rPr lang="en-US" sz="8000" b="1" dirty="0" smtClean="0"/>
+              <a:t>, </a:t>
+            </a:r>
+            <a:r>
+              <a:rPr lang="en-US" sz="8000" dirty="0" smtClean="0"/>
+              <a:t>include time and location, and the app </a:t>
+            </a:r>
+            <a:r>
+              <a:rPr lang="en-US" sz="8000" b="1" dirty="0" smtClean="0"/>
+              <a:t>dispatches the closest available courier.</a:t>
+            </a:r>
+            <a:endParaRPr lang="en-US" sz="8000" b="1" dirty="0"/>
           </a:p>
         </p:txBody>
       </p:sp>
@@ -4213,8 +4374,8 @@
         </p:nvSpPr>
         <p:spPr>
           <a:xfrm>
-            <a:off x="15174104" y="14662904"/>
-            <a:ext cx="13632182" cy="5016758"/>
+            <a:off x="15200380" y="15543973"/>
+            <a:ext cx="13632182" cy="4708981"/>
           </a:xfrm>
           <a:prstGeom prst="rect">
             <a:avLst/>
@@ -4227,36 +4388,53 @@
           </a:bodyPr>
           <a:lstStyle/>
           <a:p>
-            <a:r>
-              <a:rPr lang="en-US" sz="8000" dirty="0" err="1"/>
+            <a:pPr marL="1143000" indent="-1143000">
+              <a:buFont typeface="Arial" pitchFamily="34" charset="0"/>
+              <a:buChar char="•"/>
+            </a:pPr>
+            <a:r>
+              <a:rPr lang="en-US" sz="6000" dirty="0" err="1"/>
               <a:t>R</a:t>
             </a:r>
             <a:r>
-              <a:rPr lang="en-US" sz="8000" dirty="0" err="1" smtClean="0"/>
+              <a:rPr lang="en-US" sz="6000" dirty="0" err="1" smtClean="0"/>
               <a:t>ohit</a:t>
             </a:r>
             <a:r>
-              <a:rPr lang="en-US" sz="8000" dirty="0" smtClean="0"/>
+              <a:rPr lang="en-US" sz="6000" dirty="0" smtClean="0"/>
               <a:t> </a:t>
             </a:r>
             <a:r>
-              <a:rPr lang="en-US" sz="8000" dirty="0" err="1" smtClean="0"/>
+              <a:rPr lang="en-US" sz="6000" dirty="0" err="1" smtClean="0"/>
               <a:t>Chaudhri</a:t>
             </a:r>
-            <a:endParaRPr lang="en-US" sz="8000" dirty="0" smtClean="0"/>
-          </a:p>
-          <a:p>
-            <a:r>
-              <a:rPr lang="en-US" sz="8000" dirty="0" smtClean="0"/>
-              <a:t>PATH</a:t>
-            </a:r>
-          </a:p>
-          <a:p>
-            <a:r>
-              <a:rPr lang="en-US" sz="8000" dirty="0" smtClean="0"/>
+            <a:r>
+              <a:rPr lang="en-US" sz="6000" dirty="0" smtClean="0"/>
+              <a:t> – grad student working on Milk Banking</a:t>
+            </a:r>
+            <a:endParaRPr lang="en-US" sz="6000" dirty="0" smtClean="0"/>
+          </a:p>
+          <a:p>
+            <a:pPr marL="1143000" indent="-1143000">
+              <a:buFont typeface="Arial" pitchFamily="34" charset="0"/>
+              <a:buChar char="•"/>
+            </a:pPr>
+            <a:r>
+              <a:rPr lang="en-US" sz="6000" dirty="0" smtClean="0"/>
+              <a:t>PATH – Seattle NGO</a:t>
+            </a:r>
+            <a:endParaRPr lang="en-US" sz="6000" dirty="0" smtClean="0"/>
+          </a:p>
+          <a:p>
+            <a:pPr marL="1143000" indent="-1143000">
+              <a:buFont typeface="Arial" pitchFamily="34" charset="0"/>
+              <a:buChar char="•"/>
+            </a:pPr>
+            <a:r>
+              <a:rPr lang="en-US" sz="6000" dirty="0" smtClean="0"/>
               <a:t>Human Milk Banking Assoc. of South Africa, Durban</a:t>
             </a:r>
-            <a:endParaRPr lang="en-US" sz="8000" dirty="0"/>
+            <a:endParaRPr lang="en-US" sz="6000" dirty="0"/>
           </a:p>
         </p:txBody>
       </p:sp>
